--- a/cache/c59742c0-4323-4b9d-8a02-723c251deaa0/Mady_and_Mia_Baseball.pptx
+++ b/cache/c59742c0-4323-4b9d-8a02-723c251deaa0/Mady_and_Mia_Baseball.pptx
@@ -71,7 +71,7 @@
         <p:txBody>
           <a:bodyPr/>
           <a:p>
-            <a:fld id="{EB91DBC4-B44E-4920-8509-F4E0B0B887AE}" type="slidenum">
+            <a:fld id="{B5FEB93D-DD31-4F40-90F5-3ECA32FEA21D}" type="slidenum">
               <a:t>&lt;#&gt;</a:t>
             </a:fld>
           </a:p>
@@ -265,7 +265,7 @@
         <p:txBody>
           <a:bodyPr/>
           <a:p>
-            <a:fld id="{5376D2DB-0B7B-4882-BBDB-7DAC666742F5}" type="slidenum">
+            <a:fld id="{3035738D-9E55-45EC-BD12-5E79D83FCB14}" type="slidenum">
               <a:t>&lt;#&gt;</a:t>
             </a:fld>
           </a:p>
@@ -533,7 +533,7 @@
         <p:txBody>
           <a:bodyPr/>
           <a:p>
-            <a:fld id="{FF159E78-FA80-4A2B-A900-408868AE8FEA}" type="slidenum">
+            <a:fld id="{3F2F504C-5CE2-4B00-A07D-A11EB91BFA7E}" type="slidenum">
               <a:t>&lt;#&gt;</a:t>
             </a:fld>
           </a:p>
@@ -875,7 +875,7 @@
         <p:txBody>
           <a:bodyPr/>
           <a:p>
-            <a:fld id="{6D7BB62E-0BB7-4233-AB88-10E9AD9BA2F9}" type="slidenum">
+            <a:fld id="{DE08CB7F-3ABC-4254-A182-5345765D1FA6}" type="slidenum">
               <a:t>&lt;#&gt;</a:t>
             </a:fld>
           </a:p>
@@ -958,7 +958,7 @@
         <p:txBody>
           <a:bodyPr/>
           <a:p>
-            <a:fld id="{86506BC3-D535-47A3-BD30-EB31BE1C9D14}" type="slidenum">
+            <a:fld id="{2F4F9235-42E2-473A-BDC6-A2633EE2E509}" type="slidenum">
               <a:t>&lt;#&gt;</a:t>
             </a:fld>
           </a:p>
@@ -1115,7 +1115,7 @@
         <p:txBody>
           <a:bodyPr/>
           <a:p>
-            <a:fld id="{A21C5606-96DC-41B3-9EBB-FD25225E7D57}" type="slidenum">
+            <a:fld id="{D1DFE763-51D1-47C5-9BA5-DBD36F874DF5}" type="slidenum">
               <a:t>&lt;#&gt;</a:t>
             </a:fld>
           </a:p>
@@ -1272,7 +1272,7 @@
         <p:txBody>
           <a:bodyPr/>
           <a:p>
-            <a:fld id="{ACCDB431-5E7C-4FB7-842B-23E1479AE771}" type="slidenum">
+            <a:fld id="{24918E4A-068A-4AC6-B105-0E28342B755D}" type="slidenum">
               <a:t>&lt;#&gt;</a:t>
             </a:fld>
           </a:p>
@@ -1466,7 +1466,7 @@
         <p:txBody>
           <a:bodyPr/>
           <a:p>
-            <a:fld id="{56A2F9A6-E999-4E2D-BD52-401A44A3EAA6}" type="slidenum">
+            <a:fld id="{8427CCC2-BF73-4E67-A817-2ED7033E4A28}" type="slidenum">
               <a:t>&lt;#&gt;</a:t>
             </a:fld>
           </a:p>
@@ -1586,7 +1586,7 @@
         <p:txBody>
           <a:bodyPr/>
           <a:p>
-            <a:fld id="{1F81CCB1-5D72-47E2-A1BA-2ACCCAA19948}" type="slidenum">
+            <a:fld id="{8F72AF81-0BAA-4B2C-B2E7-F2F6A71E680A}" type="slidenum">
               <a:t>&lt;#&gt;</a:t>
             </a:fld>
           </a:p>
@@ -1706,7 +1706,7 @@
         <p:txBody>
           <a:bodyPr/>
           <a:p>
-            <a:fld id="{F7FDD675-ECE3-4537-BCB1-5DCB2E857C75}" type="slidenum">
+            <a:fld id="{BC986603-7E52-4263-94ED-CEE3AD40517E}" type="slidenum">
               <a:t>&lt;#&gt;</a:t>
             </a:fld>
           </a:p>
@@ -1937,7 +1937,7 @@
         <p:txBody>
           <a:bodyPr/>
           <a:p>
-            <a:fld id="{E517C2AB-A2CE-4401-B071-51A7ED89780C}" type="slidenum">
+            <a:fld id="{FB81324A-EC29-4A68-B918-2E93E036CDF6}" type="slidenum">
               <a:t>&lt;#&gt;</a:t>
             </a:fld>
           </a:p>
@@ -2094,7 +2094,7 @@
         <p:txBody>
           <a:bodyPr/>
           <a:p>
-            <a:fld id="{DB12F46D-DECB-412B-A160-AA2292BD7ABE}" type="slidenum">
+            <a:fld id="{E3AF2639-BBFC-4E0E-85E2-F2CA78F242BE}" type="slidenum">
               <a:t>&lt;#&gt;</a:t>
             </a:fld>
           </a:p>
@@ -2325,7 +2325,7 @@
         <p:txBody>
           <a:bodyPr/>
           <a:p>
-            <a:fld id="{B44D2B25-20A1-4ADF-BAEF-1C053844B9BA}" type="slidenum">
+            <a:fld id="{0C4B8D1A-69EB-47BC-A417-4727CF61A0F3}" type="slidenum">
               <a:t>&lt;#&gt;</a:t>
             </a:fld>
           </a:p>
@@ -2556,7 +2556,7 @@
         <p:txBody>
           <a:bodyPr/>
           <a:p>
-            <a:fld id="{C6EC85CA-9BCF-4C7A-926E-896CCCFCAB1B}" type="slidenum">
+            <a:fld id="{9F83904B-FE2A-47CE-8D79-F05A40E67CB1}" type="slidenum">
               <a:t>&lt;#&gt;</a:t>
             </a:fld>
           </a:p>
@@ -2750,7 +2750,7 @@
         <p:txBody>
           <a:bodyPr/>
           <a:p>
-            <a:fld id="{A720E980-D1CA-49AB-ACFD-4E358656B65F}" type="slidenum">
+            <a:fld id="{D77A4718-60BF-4E3E-BDC4-5731A0268092}" type="slidenum">
               <a:t>&lt;#&gt;</a:t>
             </a:fld>
           </a:p>
@@ -3018,7 +3018,7 @@
         <p:txBody>
           <a:bodyPr/>
           <a:p>
-            <a:fld id="{AEF02E2D-B89C-438C-B280-F12CDF075DCC}" type="slidenum">
+            <a:fld id="{A7913B33-E327-4C4F-BD18-EC17A5624854}" type="slidenum">
               <a:t>&lt;#&gt;</a:t>
             </a:fld>
           </a:p>
@@ -3360,7 +3360,7 @@
         <p:txBody>
           <a:bodyPr/>
           <a:p>
-            <a:fld id="{415D803E-F6DF-43D1-A4D5-BFF406C93431}" type="slidenum">
+            <a:fld id="{C78E5FA9-D06D-4E9D-B6BF-D6C0A99B21F5}" type="slidenum">
               <a:t>&lt;#&gt;</a:t>
             </a:fld>
           </a:p>
@@ -3517,7 +3517,7 @@
         <p:txBody>
           <a:bodyPr/>
           <a:p>
-            <a:fld id="{3EAF89CE-A22D-433A-A78F-FE608D8DB14B}" type="slidenum">
+            <a:fld id="{536C92EA-CAFF-4B7B-9E59-72C3B2E7E451}" type="slidenum">
               <a:t>&lt;#&gt;</a:t>
             </a:fld>
           </a:p>
@@ -3711,7 +3711,7 @@
         <p:txBody>
           <a:bodyPr/>
           <a:p>
-            <a:fld id="{76980EC4-952D-49D1-BB7A-7310C6466C51}" type="slidenum">
+            <a:fld id="{32986423-E1E4-4AA8-95D7-81662468C0D5}" type="slidenum">
               <a:t>&lt;#&gt;</a:t>
             </a:fld>
           </a:p>
@@ -3831,7 +3831,7 @@
         <p:txBody>
           <a:bodyPr/>
           <a:p>
-            <a:fld id="{27276DA4-DE8B-44DC-88B6-2D39C1CEB7D0}" type="slidenum">
+            <a:fld id="{42710708-7DC7-44CF-A812-34D0FE48F2D0}" type="slidenum">
               <a:t>&lt;#&gt;</a:t>
             </a:fld>
           </a:p>
@@ -3951,7 +3951,7 @@
         <p:txBody>
           <a:bodyPr/>
           <a:p>
-            <a:fld id="{EB871351-6458-4230-B6D7-F9D86C1854C9}" type="slidenum">
+            <a:fld id="{69EE434F-E233-4C3F-8D4D-D41A4B9389FE}" type="slidenum">
               <a:t>&lt;#&gt;</a:t>
             </a:fld>
           </a:p>
@@ -4182,7 +4182,7 @@
         <p:txBody>
           <a:bodyPr/>
           <a:p>
-            <a:fld id="{CD75F01B-5B6C-49F7-A2A9-7E6E720FFC41}" type="slidenum">
+            <a:fld id="{7BAC3B50-DCA1-42B5-B7EB-237E4590C220}" type="slidenum">
               <a:t>&lt;#&gt;</a:t>
             </a:fld>
           </a:p>
@@ -4413,7 +4413,7 @@
         <p:txBody>
           <a:bodyPr/>
           <a:p>
-            <a:fld id="{8068D8A6-B885-40DF-925E-F227CFDA9842}" type="slidenum">
+            <a:fld id="{FD6240D9-B810-49BC-9BF0-352AB57D452D}" type="slidenum">
               <a:t>&lt;#&gt;</a:t>
             </a:fld>
           </a:p>
@@ -4644,7 +4644,7 @@
         <p:txBody>
           <a:bodyPr/>
           <a:p>
-            <a:fld id="{F55C666D-0342-44C1-86A9-F1F24941592E}" type="slidenum">
+            <a:fld id="{553D77F8-C3F2-46EE-9E42-BFC712038F83}" type="slidenum">
               <a:t>&lt;#&gt;</a:t>
             </a:fld>
           </a:p>
@@ -5041,7 +5041,7 @@
               </a:lnSpc>
               <a:buNone/>
             </a:pPr>
-            <a:fld id="{2272800A-FDD8-45F4-8252-58687CEE0684}" type="slidenum">
+            <a:fld id="{4F0183D5-0B48-4E7A-BC65-3935EDED3612}" type="slidenum">
               <a:rPr b="0" lang="en-US" sz="1100" spc="-1" strike="noStrike">
                 <a:solidFill>
                   <a:srgbClr val="ffffff"/>
@@ -5765,7 +5765,7 @@
               </a:lnSpc>
               <a:buNone/>
             </a:pPr>
-            <a:fld id="{6EB7E6DC-36BF-4A78-AB22-3784856BCD2F}" type="slidenum">
+            <a:fld id="{F9C7FB1A-09CD-46FC-B62A-61D01E8B6D6A}" type="slidenum">
               <a:rPr b="0" lang="en-US" sz="1100" spc="-1" strike="noStrike">
                 <a:solidFill>
                   <a:srgbClr val="b13f9a"/>

--- a/cache/c59742c0-4323-4b9d-8a02-723c251deaa0/Mady_and_Mia_Baseball.pptx
+++ b/cache/c59742c0-4323-4b9d-8a02-723c251deaa0/Mady_and_Mia_Baseball.pptx
@@ -71,7 +71,7 @@
         <p:txBody>
           <a:bodyPr/>
           <a:p>
-            <a:fld id="{B5FEB93D-DD31-4F40-90F5-3ECA32FEA21D}" type="slidenum">
+            <a:fld id="{63C516F6-B733-4175-9F0F-3C5AB6A89B9C}" type="slidenum">
               <a:t>&lt;#&gt;</a:t>
             </a:fld>
           </a:p>
@@ -265,7 +265,7 @@
         <p:txBody>
           <a:bodyPr/>
           <a:p>
-            <a:fld id="{3035738D-9E55-45EC-BD12-5E79D83FCB14}" type="slidenum">
+            <a:fld id="{9E775D76-C827-4888-A80E-F0AAD15E9855}" type="slidenum">
               <a:t>&lt;#&gt;</a:t>
             </a:fld>
           </a:p>
@@ -533,7 +533,7 @@
         <p:txBody>
           <a:bodyPr/>
           <a:p>
-            <a:fld id="{3F2F504C-5CE2-4B00-A07D-A11EB91BFA7E}" type="slidenum">
+            <a:fld id="{3F40904E-CC7F-40D1-BC62-6A170B3FC97B}" type="slidenum">
               <a:t>&lt;#&gt;</a:t>
             </a:fld>
           </a:p>
@@ -875,7 +875,7 @@
         <p:txBody>
           <a:bodyPr/>
           <a:p>
-            <a:fld id="{DE08CB7F-3ABC-4254-A182-5345765D1FA6}" type="slidenum">
+            <a:fld id="{786244C8-0250-4B1E-9EBD-E92B36F163F4}" type="slidenum">
               <a:t>&lt;#&gt;</a:t>
             </a:fld>
           </a:p>
@@ -958,7 +958,7 @@
         <p:txBody>
           <a:bodyPr/>
           <a:p>
-            <a:fld id="{2F4F9235-42E2-473A-BDC6-A2633EE2E509}" type="slidenum">
+            <a:fld id="{A02C2639-7FF7-4C19-B92A-59C28C0F97C0}" type="slidenum">
               <a:t>&lt;#&gt;</a:t>
             </a:fld>
           </a:p>
@@ -1115,7 +1115,7 @@
         <p:txBody>
           <a:bodyPr/>
           <a:p>
-            <a:fld id="{D1DFE763-51D1-47C5-9BA5-DBD36F874DF5}" type="slidenum">
+            <a:fld id="{D683F5FE-E2BB-4843-B1AE-B39F28D16845}" type="slidenum">
               <a:t>&lt;#&gt;</a:t>
             </a:fld>
           </a:p>
@@ -1272,7 +1272,7 @@
         <p:txBody>
           <a:bodyPr/>
           <a:p>
-            <a:fld id="{24918E4A-068A-4AC6-B105-0E28342B755D}" type="slidenum">
+            <a:fld id="{2DE988AE-6A65-4954-9A7B-FE51664FC71C}" type="slidenum">
               <a:t>&lt;#&gt;</a:t>
             </a:fld>
           </a:p>
@@ -1466,7 +1466,7 @@
         <p:txBody>
           <a:bodyPr/>
           <a:p>
-            <a:fld id="{8427CCC2-BF73-4E67-A817-2ED7033E4A28}" type="slidenum">
+            <a:fld id="{CC7DA5D4-2D37-477A-8E1F-658C0C657A30}" type="slidenum">
               <a:t>&lt;#&gt;</a:t>
             </a:fld>
           </a:p>
@@ -1586,7 +1586,7 @@
         <p:txBody>
           <a:bodyPr/>
           <a:p>
-            <a:fld id="{8F72AF81-0BAA-4B2C-B2E7-F2F6A71E680A}" type="slidenum">
+            <a:fld id="{623AFBD7-F461-40FF-8119-5DF78D6F1B81}" type="slidenum">
               <a:t>&lt;#&gt;</a:t>
             </a:fld>
           </a:p>
@@ -1706,7 +1706,7 @@
         <p:txBody>
           <a:bodyPr/>
           <a:p>
-            <a:fld id="{BC986603-7E52-4263-94ED-CEE3AD40517E}" type="slidenum">
+            <a:fld id="{95372AEB-6ED1-49D0-A496-7B3D03D35C13}" type="slidenum">
               <a:t>&lt;#&gt;</a:t>
             </a:fld>
           </a:p>
@@ -1937,7 +1937,7 @@
         <p:txBody>
           <a:bodyPr/>
           <a:p>
-            <a:fld id="{FB81324A-EC29-4A68-B918-2E93E036CDF6}" type="slidenum">
+            <a:fld id="{F5772A6F-E57C-4570-B67F-E50E8ACCA8C2}" type="slidenum">
               <a:t>&lt;#&gt;</a:t>
             </a:fld>
           </a:p>
@@ -2094,7 +2094,7 @@
         <p:txBody>
           <a:bodyPr/>
           <a:p>
-            <a:fld id="{E3AF2639-BBFC-4E0E-85E2-F2CA78F242BE}" type="slidenum">
+            <a:fld id="{65A0BE91-269A-4FA9-B649-FFC28E78AB64}" type="slidenum">
               <a:t>&lt;#&gt;</a:t>
             </a:fld>
           </a:p>
@@ -2325,7 +2325,7 @@
         <p:txBody>
           <a:bodyPr/>
           <a:p>
-            <a:fld id="{0C4B8D1A-69EB-47BC-A417-4727CF61A0F3}" type="slidenum">
+            <a:fld id="{4400DB89-C414-43AD-988E-215DE242756C}" type="slidenum">
               <a:t>&lt;#&gt;</a:t>
             </a:fld>
           </a:p>
@@ -2556,7 +2556,7 @@
         <p:txBody>
           <a:bodyPr/>
           <a:p>
-            <a:fld id="{9F83904B-FE2A-47CE-8D79-F05A40E67CB1}" type="slidenum">
+            <a:fld id="{EFCE9D9E-B53D-4364-904B-37A7054CA276}" type="slidenum">
               <a:t>&lt;#&gt;</a:t>
             </a:fld>
           </a:p>
@@ -2750,7 +2750,7 @@
         <p:txBody>
           <a:bodyPr/>
           <a:p>
-            <a:fld id="{D77A4718-60BF-4E3E-BDC4-5731A0268092}" type="slidenum">
+            <a:fld id="{7275F97B-C99B-4139-81E3-798D09F95B45}" type="slidenum">
               <a:t>&lt;#&gt;</a:t>
             </a:fld>
           </a:p>
@@ -3018,7 +3018,7 @@
         <p:txBody>
           <a:bodyPr/>
           <a:p>
-            <a:fld id="{A7913B33-E327-4C4F-BD18-EC17A5624854}" type="slidenum">
+            <a:fld id="{4B9FA3EB-C9C9-4554-891E-021D2D4BB873}" type="slidenum">
               <a:t>&lt;#&gt;</a:t>
             </a:fld>
           </a:p>
@@ -3360,7 +3360,7 @@
         <p:txBody>
           <a:bodyPr/>
           <a:p>
-            <a:fld id="{C78E5FA9-D06D-4E9D-B6BF-D6C0A99B21F5}" type="slidenum">
+            <a:fld id="{80921413-28AA-4F89-B371-AF524B77AD2D}" type="slidenum">
               <a:t>&lt;#&gt;</a:t>
             </a:fld>
           </a:p>
@@ -3517,7 +3517,7 @@
         <p:txBody>
           <a:bodyPr/>
           <a:p>
-            <a:fld id="{536C92EA-CAFF-4B7B-9E59-72C3B2E7E451}" type="slidenum">
+            <a:fld id="{BAA0FECB-4E83-4700-902D-64F8E7F3B7BE}" type="slidenum">
               <a:t>&lt;#&gt;</a:t>
             </a:fld>
           </a:p>
@@ -3711,7 +3711,7 @@
         <p:txBody>
           <a:bodyPr/>
           <a:p>
-            <a:fld id="{32986423-E1E4-4AA8-95D7-81662468C0D5}" type="slidenum">
+            <a:fld id="{9506F0AA-9305-4140-89BB-541D21663A42}" type="slidenum">
               <a:t>&lt;#&gt;</a:t>
             </a:fld>
           </a:p>
@@ -3831,7 +3831,7 @@
         <p:txBody>
           <a:bodyPr/>
           <a:p>
-            <a:fld id="{42710708-7DC7-44CF-A812-34D0FE48F2D0}" type="slidenum">
+            <a:fld id="{71D9F38B-3C4D-4E29-924B-F68169E4419D}" type="slidenum">
               <a:t>&lt;#&gt;</a:t>
             </a:fld>
           </a:p>
@@ -3951,7 +3951,7 @@
         <p:txBody>
           <a:bodyPr/>
           <a:p>
-            <a:fld id="{69EE434F-E233-4C3F-8D4D-D41A4B9389FE}" type="slidenum">
+            <a:fld id="{D608318A-D710-4974-9AAB-1C11E6CD8DDF}" type="slidenum">
               <a:t>&lt;#&gt;</a:t>
             </a:fld>
           </a:p>
@@ -4182,7 +4182,7 @@
         <p:txBody>
           <a:bodyPr/>
           <a:p>
-            <a:fld id="{7BAC3B50-DCA1-42B5-B7EB-237E4590C220}" type="slidenum">
+            <a:fld id="{1C83151F-0778-4F38-8F99-C9C67FA5259A}" type="slidenum">
               <a:t>&lt;#&gt;</a:t>
             </a:fld>
           </a:p>
@@ -4413,7 +4413,7 @@
         <p:txBody>
           <a:bodyPr/>
           <a:p>
-            <a:fld id="{FD6240D9-B810-49BC-9BF0-352AB57D452D}" type="slidenum">
+            <a:fld id="{86DC8193-B3BF-443B-B13B-C84DF68AB7F6}" type="slidenum">
               <a:t>&lt;#&gt;</a:t>
             </a:fld>
           </a:p>
@@ -4644,7 +4644,7 @@
         <p:txBody>
           <a:bodyPr/>
           <a:p>
-            <a:fld id="{553D77F8-C3F2-46EE-9E42-BFC712038F83}" type="slidenum">
+            <a:fld id="{53E261A4-728D-412D-8926-BC2A25F1EB0D}" type="slidenum">
               <a:t>&lt;#&gt;</a:t>
             </a:fld>
           </a:p>
@@ -5041,7 +5041,7 @@
               </a:lnSpc>
               <a:buNone/>
             </a:pPr>
-            <a:fld id="{4F0183D5-0B48-4E7A-BC65-3935EDED3612}" type="slidenum">
+            <a:fld id="{C41D4343-C2A5-4EF6-91F8-4E0E8D57D878}" type="slidenum">
               <a:rPr b="0" lang="en-US" sz="1100" spc="-1" strike="noStrike">
                 <a:solidFill>
                   <a:srgbClr val="ffffff"/>
@@ -5765,7 +5765,7 @@
               </a:lnSpc>
               <a:buNone/>
             </a:pPr>
-            <a:fld id="{F9C7FB1A-09CD-46FC-B62A-61D01E8B6D6A}" type="slidenum">
+            <a:fld id="{7F41193A-D783-4676-9A3A-08ED2B432266}" type="slidenum">
               <a:rPr b="0" lang="en-US" sz="1100" spc="-1" strike="noStrike">
                 <a:solidFill>
                   <a:srgbClr val="b13f9a"/>
